--- a/Team Quinto/Skynet Proposal.pptx
+++ b/Team Quinto/Skynet Proposal.pptx
@@ -954,8 +954,41 @@
                 <a:cs typeface="Calibri"/>
                 <a:sym typeface="Calibri"/>
               </a:rPr>
-              <a:t>Price: £76K</a:t>
+              <a:t>Price: </a:t>
             </a:r>
+            <a:r>
+              <a:rPr lang="en-GB" sz="1200" b="0" i="0" u="none" strike="noStrike" cap="none" baseline="0" smtClean="0">
+                <a:solidFill>
+                  <a:schemeClr val="dk1"/>
+                </a:solidFill>
+                <a:latin typeface="Calibri"/>
+                <a:ea typeface="Calibri"/>
+                <a:cs typeface="Calibri"/>
+                <a:sym typeface="Calibri"/>
+              </a:rPr>
+              <a:t>£</a:t>
+            </a:r>
+            <a:r>
+              <a:rPr lang="en-GB" sz="1200" b="0" i="0" u="none" strike="noStrike" cap="none" baseline="0" smtClean="0">
+                <a:solidFill>
+                  <a:schemeClr val="dk1"/>
+                </a:solidFill>
+                <a:latin typeface="Calibri"/>
+                <a:ea typeface="Calibri"/>
+                <a:cs typeface="Calibri"/>
+                <a:sym typeface="Calibri"/>
+              </a:rPr>
+              <a:t>78,520</a:t>
+            </a:r>
+            <a:endParaRPr lang="en-GB" sz="1200" b="0" i="0" u="none" strike="noStrike" cap="none" baseline="0" dirty="0" smtClean="0">
+              <a:solidFill>
+                <a:schemeClr val="dk1"/>
+              </a:solidFill>
+              <a:latin typeface="Calibri"/>
+              <a:ea typeface="Calibri"/>
+              <a:cs typeface="Calibri"/>
+              <a:sym typeface="Calibri"/>
+            </a:endParaRPr>
           </a:p>
           <a:p>
             <a:pPr marL="0" marR="0" lvl="0" indent="0" algn="l" rtl="0">
@@ -2063,7 +2096,7 @@
                 <a:cs typeface="Calibri"/>
                 <a:sym typeface="Calibri"/>
               </a:rPr>
-              <a:t>Data needed to exploit opp.</a:t>
+              <a:t>Information needed to exploit opp.</a:t>
             </a:r>
           </a:p>
           <a:p>
@@ -3729,16 +3762,8 @@
                 <a:cs typeface="Calibri"/>
                 <a:sym typeface="Calibri"/>
               </a:rPr>
-              <a:t>Other: £1K for Flight Aware data</a:t>
+              <a:t>Data: </a:t>
             </a:r>
-          </a:p>
-          <a:p>
-            <a:pPr marL="0" marR="0" lvl="0" indent="0" algn="l" rtl="0">
-              <a:spcBef>
-                <a:spcPts val="0"/>
-              </a:spcBef>
-              <a:buNone/>
-            </a:pPr>
             <a:r>
               <a:rPr lang="en-GB" sz="1200" b="0" i="0" u="none" strike="noStrike" cap="none" baseline="0" dirty="0" smtClean="0">
                 <a:solidFill>
@@ -3749,7 +3774,80 @@
                 <a:cs typeface="Calibri"/>
                 <a:sym typeface="Calibri"/>
               </a:rPr>
-              <a:t>Total cost: £76K </a:t>
+              <a:t>£1K for Flight Aware </a:t>
+            </a:r>
+            <a:r>
+              <a:rPr lang="en-GB" sz="1200" b="0" i="0" u="none" strike="noStrike" cap="none" baseline="0" dirty="0" smtClean="0">
+                <a:solidFill>
+                  <a:schemeClr val="dk1"/>
+                </a:solidFill>
+                <a:latin typeface="Calibri"/>
+                <a:ea typeface="Calibri"/>
+                <a:cs typeface="Calibri"/>
+                <a:sym typeface="Calibri"/>
+              </a:rPr>
+              <a:t>data</a:t>
+            </a:r>
+          </a:p>
+          <a:p>
+            <a:pPr marL="0" marR="0" lvl="0" indent="0" algn="l" rtl="0">
+              <a:spcBef>
+                <a:spcPts val="0"/>
+              </a:spcBef>
+              <a:buNone/>
+            </a:pPr>
+            <a:r>
+              <a:rPr lang="en-GB" sz="1200" b="0" i="0" u="none" strike="noStrike" cap="none" baseline="0" dirty="0" smtClean="0">
+                <a:solidFill>
+                  <a:schemeClr val="dk1"/>
+                </a:solidFill>
+                <a:latin typeface="Calibri"/>
+                <a:ea typeface="Calibri"/>
+                <a:cs typeface="Calibri"/>
+                <a:sym typeface="Calibri"/>
+              </a:rPr>
+              <a:t>Hosting: £2,520 for Amazon cluster hosting</a:t>
+            </a:r>
+            <a:endParaRPr lang="en-GB" sz="1200" b="0" i="0" u="none" strike="noStrike" cap="none" baseline="0" dirty="0" smtClean="0">
+              <a:solidFill>
+                <a:schemeClr val="dk1"/>
+              </a:solidFill>
+              <a:latin typeface="Calibri"/>
+              <a:ea typeface="Calibri"/>
+              <a:cs typeface="Calibri"/>
+              <a:sym typeface="Calibri"/>
+            </a:endParaRPr>
+          </a:p>
+          <a:p>
+            <a:pPr marL="0" marR="0" lvl="0" indent="0" algn="l" rtl="0">
+              <a:spcBef>
+                <a:spcPts val="0"/>
+              </a:spcBef>
+              <a:buNone/>
+            </a:pPr>
+            <a:r>
+              <a:rPr lang="en-GB" sz="1200" b="0" i="0" u="none" strike="noStrike" cap="none" baseline="0" dirty="0" smtClean="0">
+                <a:solidFill>
+                  <a:schemeClr val="dk1"/>
+                </a:solidFill>
+                <a:latin typeface="Calibri"/>
+                <a:ea typeface="Calibri"/>
+                <a:cs typeface="Calibri"/>
+                <a:sym typeface="Calibri"/>
+              </a:rPr>
+              <a:t>Total cost: £</a:t>
+            </a:r>
+            <a:r>
+              <a:rPr lang="en-GB" sz="1200" b="0" i="0" u="none" strike="noStrike" cap="none" baseline="0" dirty="0" smtClean="0">
+                <a:solidFill>
+                  <a:schemeClr val="dk1"/>
+                </a:solidFill>
+                <a:latin typeface="Calibri"/>
+                <a:ea typeface="Calibri"/>
+                <a:cs typeface="Calibri"/>
+                <a:sym typeface="Calibri"/>
+              </a:rPr>
+              <a:t>78,520 </a:t>
             </a:r>
             <a:r>
               <a:rPr lang="en-GB" sz="1200" b="0" i="0" u="none" strike="noStrike" cap="none" baseline="0" dirty="0" err="1" smtClean="0">
@@ -37425,11 +37523,7 @@
             </a:r>
             <a:r>
               <a:rPr lang="en-GB" i="1" dirty="0" smtClean="0"/>
-              <a:t>Identify the two </a:t>
-            </a:r>
-            <a:r>
-              <a:rPr lang="en-GB" i="1" dirty="0" smtClean="0"/>
-              <a:t>aircraft type</a:t>
+              <a:t>Identify the two aircraft type</a:t>
             </a:r>
             <a:r>
               <a:rPr lang="mr-IN" i="1" dirty="0" smtClean="0"/>
@@ -37437,11 +37531,7 @@
             </a:r>
             <a:r>
               <a:rPr lang="en-GB" i="1" dirty="0" smtClean="0"/>
-              <a:t> </a:t>
-            </a:r>
-            <a:r>
-              <a:rPr lang="en-GB" i="1" dirty="0" smtClean="0"/>
-              <a:t>requiring ADS-B </a:t>
+              <a:t> requiring ADS-B </a:t>
             </a:r>
             <a:r>
               <a:rPr lang="en-GB" i="1" dirty="0" err="1" smtClean="0"/>
@@ -37497,11 +37587,7 @@
             </a:pPr>
             <a:r>
               <a:rPr lang="en-GB" dirty="0" smtClean="0"/>
-              <a:t>Approach</a:t>
-            </a:r>
-            <a:r>
-              <a:rPr lang="en-GB" dirty="0" smtClean="0"/>
-              <a:t>: three phases with gate at end phase one</a:t>
+              <a:t>Approach: three phases with gate at end phase one</a:t>
             </a:r>
           </a:p>
           <a:p>
@@ -37535,7 +37621,7 @@
             </a:pPr>
             <a:r>
               <a:rPr lang="en-GB" dirty="0" smtClean="0"/>
-              <a:t>Pricing: £76K excl. tax</a:t>
+              <a:t>Pricing: £78,520 excl. tax</a:t>
             </a:r>
           </a:p>
           <a:p>
@@ -38621,20 +38707,7 @@
                 <a:ea typeface="Arial"/>
                 <a:sym typeface="Arial"/>
               </a:rPr>
-              <a:t>dentify the </a:t>
-            </a:r>
-            <a:r>
-              <a:rPr lang="en-GB" i="1" dirty="0" smtClean="0">
-                <a:solidFill>
-                  <a:srgbClr val="000000"/>
-                </a:solidFill>
-                <a:highlight>
-                  <a:srgbClr val="FFFF00"/>
-                </a:highlight>
-                <a:ea typeface="Arial"/>
-                <a:sym typeface="Arial"/>
-              </a:rPr>
-              <a:t>two aircraft type constituting the </a:t>
+              <a:t>dentify the two aircraft type constituting the </a:t>
             </a:r>
             <a:br>
               <a:rPr lang="en-GB" i="1" dirty="0" smtClean="0">
@@ -38659,20 +38732,7 @@
                 <a:ea typeface="Arial"/>
                 <a:sym typeface="Arial"/>
               </a:rPr>
-              <a:t>largest proportion of those </a:t>
-            </a:r>
-            <a:r>
-              <a:rPr lang="en-GB" i="1" dirty="0" smtClean="0">
-                <a:solidFill>
-                  <a:srgbClr val="000000"/>
-                </a:solidFill>
-                <a:highlight>
-                  <a:srgbClr val="FFFF00"/>
-                </a:highlight>
-                <a:ea typeface="Arial"/>
-                <a:sym typeface="Arial"/>
-              </a:rPr>
-              <a:t>requiring ADS-B transponders</a:t>
+              <a:t>largest proportion of those requiring ADS-B transponders</a:t>
             </a:r>
           </a:p>
         </p:txBody>
@@ -39580,7 +39640,7 @@
                 </a:solidFill>
                 <a:sym typeface="Arial"/>
               </a:rPr>
-              <a:t>Data needed to exploit opportunity</a:t>
+              <a:t>Information needed to exploit opportunity</a:t>
             </a:r>
           </a:p>
           <a:p>
@@ -39624,16 +39684,7 @@
                 </a:solidFill>
                 <a:sym typeface="Arial"/>
               </a:rPr>
-              <a:t>Cost and time </a:t>
-            </a:r>
-            <a:r>
-              <a:rPr lang="en-GB" dirty="0" smtClean="0">
-                <a:solidFill>
-                  <a:srgbClr val="3C3C3B"/>
-                </a:solidFill>
-                <a:sym typeface="Arial"/>
-              </a:rPr>
-              <a:t>saving</a:t>
+              <a:t>Cost and time saving</a:t>
             </a:r>
           </a:p>
           <a:p>
@@ -43257,25 +43308,7 @@
                           <a:cs typeface="Century Gothic"/>
                           <a:sym typeface="Century Gothic"/>
                         </a:rPr>
-                        <a:t>Senior </a:t>
-                      </a:r>
-                      <a:r>
-                        <a:rPr lang="en-GB" sz="1400" b="1" u="none" strike="noStrike" cap="none" dirty="0" smtClean="0">
-                          <a:latin typeface="Century Gothic"/>
-                          <a:ea typeface="Century Gothic"/>
-                          <a:cs typeface="Century Gothic"/>
-                          <a:sym typeface="Century Gothic"/>
-                        </a:rPr>
-                        <a:t>Data </a:t>
-                      </a:r>
-                      <a:r>
-                        <a:rPr lang="en-GB" sz="1400" b="1" u="none" strike="noStrike" cap="none" dirty="0" smtClean="0">
-                          <a:latin typeface="Century Gothic"/>
-                          <a:ea typeface="Century Gothic"/>
-                          <a:cs typeface="Century Gothic"/>
-                          <a:sym typeface="Century Gothic"/>
-                        </a:rPr>
-                        <a:t>Engineer</a:t>
+                        <a:t>Senior Data Engineer</a:t>
                       </a:r>
                       <a:endParaRPr lang="en" sz="1400" b="1" u="none" strike="noStrike" cap="none" dirty="0">
                         <a:latin typeface="Century Gothic"/>
@@ -43571,14 +43604,14 @@
           <p:nvPr>
             <p:extLst>
               <p:ext uri="{D42A27DB-BD31-4B8C-83A1-F6EECF244321}">
-                <p14:modId xmlns:p14="http://schemas.microsoft.com/office/powerpoint/2010/main" val="2518490232"/>
+                <p14:modId xmlns:p14="http://schemas.microsoft.com/office/powerpoint/2010/main" val="1772949262"/>
               </p:ext>
             </p:extLst>
           </p:nvPr>
         </p:nvGraphicFramePr>
         <p:xfrm>
           <a:off x="457201" y="1131590"/>
-          <a:ext cx="8219255" cy="3021249"/>
+          <a:ext cx="8219255" cy="3453297"/>
         </p:xfrm>
         <a:graphic>
           <a:graphicData uri="http://schemas.openxmlformats.org/drawingml/2006/table">
@@ -44608,7 +44641,7 @@
                           <a:cs typeface="Century Gothic"/>
                           <a:sym typeface="Century Gothic"/>
                         </a:rPr>
-                        <a:t>Other</a:t>
+                        <a:t>Data</a:t>
                       </a:r>
                       <a:endParaRPr lang="en" sz="1400" b="0" dirty="0">
                         <a:latin typeface="Century Gothic"/>
@@ -44819,6 +44852,230 @@
                   </a:tcPr>
                 </a:tc>
               </a:tr>
+              <a:tr h="432048">
+                <a:tc>
+                  <a:txBody>
+                    <a:bodyPr/>
+                    <a:lstStyle/>
+                    <a:p>
+                      <a:pPr lvl="0" rtl="0">
+                        <a:lnSpc>
+                          <a:spcPct val="115000"/>
+                        </a:lnSpc>
+                        <a:spcBef>
+                          <a:spcPts val="0"/>
+                        </a:spcBef>
+                        <a:buNone/>
+                      </a:pPr>
+                      <a:r>
+                        <a:rPr lang="en-GB" sz="1400" b="0" dirty="0" smtClean="0">
+                          <a:latin typeface="Century Gothic"/>
+                          <a:ea typeface="Century Gothic"/>
+                          <a:cs typeface="Century Gothic"/>
+                          <a:sym typeface="Century Gothic"/>
+                        </a:rPr>
+                        <a:t>Hosting</a:t>
+                      </a:r>
+                      <a:endParaRPr lang="en" sz="1400" b="0" dirty="0">
+                        <a:latin typeface="Century Gothic"/>
+                        <a:ea typeface="Century Gothic"/>
+                        <a:cs typeface="Century Gothic"/>
+                        <a:sym typeface="Century Gothic"/>
+                      </a:endParaRPr>
+                    </a:p>
+                  </a:txBody>
+                  <a:tcPr marL="28575" marR="28575" marT="91425" marB="91425">
+                    <a:lnL w="9525" cap="flat" cmpd="sng">
+                      <a:solidFill>
+                        <a:srgbClr val="CCCCCC"/>
+                      </a:solidFill>
+                      <a:prstDash val="solid"/>
+                      <a:round/>
+                      <a:headEnd type="none" w="med" len="med"/>
+                      <a:tailEnd type="none" w="med" len="med"/>
+                    </a:lnL>
+                    <a:lnR w="9525" cap="flat" cmpd="sng" algn="ctr">
+                      <a:solidFill>
+                        <a:srgbClr val="CCCCCC"/>
+                      </a:solidFill>
+                      <a:prstDash val="solid"/>
+                      <a:round/>
+                      <a:headEnd type="none" w="med" len="med"/>
+                      <a:tailEnd type="none" w="med" len="med"/>
+                    </a:lnR>
+                    <a:lnT w="9525" cap="flat" cmpd="sng" algn="ctr">
+                      <a:solidFill>
+                        <a:srgbClr val="CCCCCC"/>
+                      </a:solidFill>
+                      <a:prstDash val="solid"/>
+                      <a:round/>
+                      <a:headEnd type="none" w="med" len="med"/>
+                      <a:tailEnd type="none" w="med" len="med"/>
+                    </a:lnT>
+                    <a:lnB w="9525" cap="flat" cmpd="sng" algn="ctr">
+                      <a:solidFill>
+                        <a:srgbClr val="CCCCCC"/>
+                      </a:solidFill>
+                      <a:prstDash val="solid"/>
+                      <a:round/>
+                      <a:headEnd type="none" w="med" len="med"/>
+                      <a:tailEnd type="none" w="med" len="med"/>
+                    </a:lnB>
+                    <a:solidFill>
+                      <a:srgbClr val="FCE5CD"/>
+                    </a:solidFill>
+                  </a:tcPr>
+                </a:tc>
+                <a:tc>
+                  <a:txBody>
+                    <a:bodyPr/>
+                    <a:lstStyle/>
+                    <a:p>
+                      <a:pPr lvl="0" rtl="0">
+                        <a:lnSpc>
+                          <a:spcPct val="115000"/>
+                        </a:lnSpc>
+                        <a:spcBef>
+                          <a:spcPts val="0"/>
+                        </a:spcBef>
+                        <a:buNone/>
+                      </a:pPr>
+                      <a:r>
+                        <a:rPr lang="en-GB" sz="1400" b="0" dirty="0" smtClean="0">
+                          <a:latin typeface="Century Gothic"/>
+                          <a:ea typeface="Century Gothic"/>
+                          <a:cs typeface="Century Gothic"/>
+                          <a:sym typeface="Century Gothic"/>
+                        </a:rPr>
+                        <a:t>£2,520</a:t>
+                      </a:r>
+                      <a:endParaRPr lang="en" sz="1400" b="0" dirty="0">
+                        <a:latin typeface="Century Gothic"/>
+                        <a:ea typeface="Century Gothic"/>
+                        <a:cs typeface="Century Gothic"/>
+                        <a:sym typeface="Century Gothic"/>
+                      </a:endParaRPr>
+                    </a:p>
+                  </a:txBody>
+                  <a:tcPr marL="28575" marR="28575" marT="91425" marB="91425">
+                    <a:lnL w="9525" cap="flat" cmpd="sng" algn="ctr">
+                      <a:solidFill>
+                        <a:srgbClr val="CCCCCC"/>
+                      </a:solidFill>
+                      <a:prstDash val="solid"/>
+                      <a:round/>
+                      <a:headEnd type="none" w="med" len="med"/>
+                      <a:tailEnd type="none" w="med" len="med"/>
+                    </a:lnL>
+                    <a:lnR w="9525" cap="flat" cmpd="sng" algn="ctr">
+                      <a:solidFill>
+                        <a:srgbClr val="CCCCCC"/>
+                      </a:solidFill>
+                      <a:prstDash val="solid"/>
+                      <a:round/>
+                      <a:headEnd type="none" w="med" len="med"/>
+                      <a:tailEnd type="none" w="med" len="med"/>
+                    </a:lnR>
+                    <a:lnT w="9525" cap="flat" cmpd="sng" algn="ctr">
+                      <a:solidFill>
+                        <a:srgbClr val="CCCCCC"/>
+                      </a:solidFill>
+                      <a:prstDash val="solid"/>
+                      <a:round/>
+                      <a:headEnd type="none" w="med" len="med"/>
+                      <a:tailEnd type="none" w="med" len="med"/>
+                    </a:lnT>
+                    <a:lnB w="9525" cap="flat" cmpd="sng" algn="ctr">
+                      <a:solidFill>
+                        <a:srgbClr val="CCCCCC"/>
+                      </a:solidFill>
+                      <a:prstDash val="solid"/>
+                      <a:round/>
+                      <a:headEnd type="none" w="med" len="med"/>
+                      <a:tailEnd type="none" w="med" len="med"/>
+                    </a:lnB>
+                  </a:tcPr>
+                </a:tc>
+                <a:tc>
+                  <a:txBody>
+                    <a:bodyPr/>
+                    <a:lstStyle/>
+                    <a:p>
+                      <a:pPr marL="1587" lvl="1" rtl="0">
+                        <a:lnSpc>
+                          <a:spcPct val="90000"/>
+                        </a:lnSpc>
+                        <a:spcBef>
+                          <a:spcPts val="0"/>
+                        </a:spcBef>
+                        <a:buNone/>
+                      </a:pPr>
+                      <a:r>
+                        <a:rPr lang="en-GB" sz="1400" dirty="0" smtClean="0">
+                          <a:latin typeface="Century Gothic"/>
+                          <a:ea typeface="Century Gothic"/>
+                          <a:cs typeface="Century Gothic"/>
+                          <a:sym typeface="Century Gothic"/>
+                        </a:rPr>
+                        <a:t>Amazon</a:t>
+                      </a:r>
+                      <a:r>
+                        <a:rPr lang="en-GB" sz="1400" baseline="0" dirty="0" smtClean="0">
+                          <a:latin typeface="Century Gothic"/>
+                          <a:ea typeface="Century Gothic"/>
+                          <a:cs typeface="Century Gothic"/>
+                          <a:sym typeface="Century Gothic"/>
+                        </a:rPr>
+                        <a:t> cluster hosting for 6 weeks</a:t>
+                      </a:r>
+                      <a:endParaRPr lang="en" sz="1400" dirty="0">
+                        <a:latin typeface="Century Gothic"/>
+                        <a:ea typeface="Century Gothic"/>
+                        <a:cs typeface="Century Gothic"/>
+                        <a:sym typeface="Century Gothic"/>
+                      </a:endParaRPr>
+                    </a:p>
+                  </a:txBody>
+                  <a:tcPr marL="28575" marR="28575" marT="91425" marB="91425">
+                    <a:lnL w="9525" cap="flat" cmpd="sng" algn="ctr">
+                      <a:solidFill>
+                        <a:srgbClr val="CCCCCC"/>
+                      </a:solidFill>
+                      <a:prstDash val="solid"/>
+                      <a:round/>
+                      <a:headEnd type="none" w="med" len="med"/>
+                      <a:tailEnd type="none" w="med" len="med"/>
+                    </a:lnL>
+                    <a:lnR w="9525" cap="flat" cmpd="sng">
+                      <a:solidFill>
+                        <a:srgbClr val="CCCCCC"/>
+                      </a:solidFill>
+                      <a:prstDash val="solid"/>
+                      <a:round/>
+                      <a:headEnd type="none" w="med" len="med"/>
+                      <a:tailEnd type="none" w="med" len="med"/>
+                    </a:lnR>
+                    <a:lnT w="9525" cap="flat" cmpd="sng" algn="ctr">
+                      <a:solidFill>
+                        <a:srgbClr val="CCCCCC"/>
+                      </a:solidFill>
+                      <a:prstDash val="solid"/>
+                      <a:round/>
+                      <a:headEnd type="none" w="med" len="med"/>
+                      <a:tailEnd type="none" w="med" len="med"/>
+                    </a:lnT>
+                    <a:lnB w="9525" cap="flat" cmpd="sng" algn="ctr">
+                      <a:solidFill>
+                        <a:srgbClr val="CCCCCC"/>
+                      </a:solidFill>
+                      <a:prstDash val="solid"/>
+                      <a:round/>
+                      <a:headEnd type="none" w="med" len="med"/>
+                      <a:tailEnd type="none" w="med" len="med"/>
+                    </a:lnB>
+                  </a:tcPr>
+                </a:tc>
+              </a:tr>
               <a:tr h="566898">
                 <a:tc>
                   <a:txBody>
@@ -44902,22 +45159,13 @@
                         <a:buNone/>
                       </a:pPr>
                       <a:r>
-                        <a:rPr lang="en" sz="1400" b="1" dirty="0" smtClean="0">
-                          <a:latin typeface="Century Gothic"/>
-                          <a:ea typeface="Century Gothic"/>
-                          <a:cs typeface="Century Gothic"/>
-                          <a:sym typeface="Century Gothic"/>
-                        </a:rPr>
-                        <a:t>$</a:t>
-                      </a:r>
-                      <a:r>
                         <a:rPr lang="en-GB" sz="1400" b="1" dirty="0" smtClean="0">
                           <a:latin typeface="Century Gothic"/>
                           <a:ea typeface="Century Gothic"/>
                           <a:cs typeface="Century Gothic"/>
                           <a:sym typeface="Century Gothic"/>
                         </a:rPr>
-                        <a:t>76K</a:t>
+                        <a:t>£78,520</a:t>
                       </a:r>
                       <a:r>
                         <a:rPr lang="en" sz="1400" b="1" dirty="0" smtClean="0">
